--- a/Project/1-CIS3200 Project.pptx
+++ b/Project/1-CIS3200 Project.pptx
@@ -221,7 +221,7 @@
           <a:p>
             <a:fld id="{78F6649D-6A81-43F0-9E89-99C91DFEDA35}" type="datetimeFigureOut">
               <a:rPr lang="en-US" smtClean="0"/>
-              <a:t>5/2/2020</a:t>
+              <a:t>5/3/2020</a:t>
             </a:fld>
             <a:endParaRPr lang="en-US"/>
           </a:p>
@@ -1083,7 +1083,7 @@
           <a:p>
             <a:fld id="{CE08E4C5-6DD5-4CE8-B3A7-657AC1AD237C}" type="datetimeFigureOut">
               <a:rPr lang="en-US" smtClean="0"/>
-              <a:t>5/2/2020</a:t>
+              <a:t>5/3/2020</a:t>
             </a:fld>
             <a:endParaRPr lang="en-US"/>
           </a:p>
@@ -1412,7 +1412,7 @@
           <a:p>
             <a:fld id="{CE08E4C5-6DD5-4CE8-B3A7-657AC1AD237C}" type="datetimeFigureOut">
               <a:rPr lang="en-US" smtClean="0"/>
-              <a:t>5/2/2020</a:t>
+              <a:t>5/3/2020</a:t>
             </a:fld>
             <a:endParaRPr lang="en-US"/>
           </a:p>
@@ -1660,7 +1660,7 @@
           <a:p>
             <a:fld id="{CE08E4C5-6DD5-4CE8-B3A7-657AC1AD237C}" type="datetimeFigureOut">
               <a:rPr lang="en-US" smtClean="0"/>
-              <a:t>5/2/2020</a:t>
+              <a:t>5/3/2020</a:t>
             </a:fld>
             <a:endParaRPr lang="en-US"/>
           </a:p>
@@ -1999,7 +1999,7 @@
           <a:p>
             <a:fld id="{CE08E4C5-6DD5-4CE8-B3A7-657AC1AD237C}" type="datetimeFigureOut">
               <a:rPr lang="en-US" smtClean="0"/>
-              <a:t>5/2/2020</a:t>
+              <a:t>5/3/2020</a:t>
             </a:fld>
             <a:endParaRPr lang="en-US"/>
           </a:p>
@@ -2346,7 +2346,7 @@
           <a:p>
             <a:fld id="{CE08E4C5-6DD5-4CE8-B3A7-657AC1AD237C}" type="datetimeFigureOut">
               <a:rPr lang="en-US" smtClean="0"/>
-              <a:t>5/2/2020</a:t>
+              <a:t>5/3/2020</a:t>
             </a:fld>
             <a:endParaRPr lang="en-US"/>
           </a:p>
@@ -2720,7 +2720,7 @@
           <a:p>
             <a:fld id="{CE08E4C5-6DD5-4CE8-B3A7-657AC1AD237C}" type="datetimeFigureOut">
               <a:rPr lang="en-US" smtClean="0"/>
-              <a:t>5/2/2020</a:t>
+              <a:t>5/3/2020</a:t>
             </a:fld>
             <a:endParaRPr lang="en-US"/>
           </a:p>
@@ -3190,7 +3190,7 @@
           <a:p>
             <a:fld id="{CE08E4C5-6DD5-4CE8-B3A7-657AC1AD237C}" type="datetimeFigureOut">
               <a:rPr lang="en-US" smtClean="0"/>
-              <a:t>5/2/2020</a:t>
+              <a:t>5/3/2020</a:t>
             </a:fld>
             <a:endParaRPr lang="en-US"/>
           </a:p>
@@ -3395,7 +3395,7 @@
           <a:p>
             <a:fld id="{CE08E4C5-6DD5-4CE8-B3A7-657AC1AD237C}" type="datetimeFigureOut">
               <a:rPr lang="en-US" smtClean="0"/>
-              <a:t>5/2/2020</a:t>
+              <a:t>5/3/2020</a:t>
             </a:fld>
             <a:endParaRPr lang="en-US"/>
           </a:p>
@@ -3606,7 +3606,7 @@
           <a:p>
             <a:fld id="{CE08E4C5-6DD5-4CE8-B3A7-657AC1AD237C}" type="datetimeFigureOut">
               <a:rPr lang="en-US" smtClean="0"/>
-              <a:t>5/2/2020</a:t>
+              <a:t>5/3/2020</a:t>
             </a:fld>
             <a:endParaRPr lang="en-US"/>
           </a:p>
@@ -3843,7 +3843,7 @@
           <a:p>
             <a:fld id="{CE08E4C5-6DD5-4CE8-B3A7-657AC1AD237C}" type="datetimeFigureOut">
               <a:rPr lang="en-US" smtClean="0"/>
-              <a:t>5/2/2020</a:t>
+              <a:t>5/3/2020</a:t>
             </a:fld>
             <a:endParaRPr lang="en-US"/>
           </a:p>
@@ -4091,7 +4091,7 @@
           <a:p>
             <a:fld id="{CE08E4C5-6DD5-4CE8-B3A7-657AC1AD237C}" type="datetimeFigureOut">
               <a:rPr lang="en-US" smtClean="0"/>
-              <a:t>5/2/2020</a:t>
+              <a:t>5/3/2020</a:t>
             </a:fld>
             <a:endParaRPr lang="en-US"/>
           </a:p>
@@ -4394,7 +4394,7 @@
           <a:p>
             <a:fld id="{CE08E4C5-6DD5-4CE8-B3A7-657AC1AD237C}" type="datetimeFigureOut">
               <a:rPr lang="en-US" smtClean="0"/>
-              <a:t>5/2/2020</a:t>
+              <a:t>5/3/2020</a:t>
             </a:fld>
             <a:endParaRPr lang="en-US"/>
           </a:p>
@@ -4788,7 +4788,7 @@
           <a:p>
             <a:fld id="{CE08E4C5-6DD5-4CE8-B3A7-657AC1AD237C}" type="datetimeFigureOut">
               <a:rPr lang="en-US" smtClean="0"/>
-              <a:t>5/2/2020</a:t>
+              <a:t>5/3/2020</a:t>
             </a:fld>
             <a:endParaRPr lang="en-US"/>
           </a:p>
@@ -4937,7 +4937,7 @@
           <a:p>
             <a:fld id="{CE08E4C5-6DD5-4CE8-B3A7-657AC1AD237C}" type="datetimeFigureOut">
               <a:rPr lang="en-US" smtClean="0"/>
-              <a:t>5/2/2020</a:t>
+              <a:t>5/3/2020</a:t>
             </a:fld>
             <a:endParaRPr lang="en-US"/>
           </a:p>
@@ -5063,7 +5063,7 @@
           <a:p>
             <a:fld id="{CE08E4C5-6DD5-4CE8-B3A7-657AC1AD237C}" type="datetimeFigureOut">
               <a:rPr lang="en-US" smtClean="0"/>
-              <a:t>5/2/2020</a:t>
+              <a:t>5/3/2020</a:t>
             </a:fld>
             <a:endParaRPr lang="en-US"/>
           </a:p>
@@ -5318,7 +5318,7 @@
           <a:p>
             <a:fld id="{CE08E4C5-6DD5-4CE8-B3A7-657AC1AD237C}" type="datetimeFigureOut">
               <a:rPr lang="en-US" smtClean="0"/>
-              <a:t>5/2/2020</a:t>
+              <a:t>5/3/2020</a:t>
             </a:fld>
             <a:endParaRPr lang="en-US"/>
           </a:p>
@@ -5633,7 +5633,7 @@
           <a:p>
             <a:fld id="{CE08E4C5-6DD5-4CE8-B3A7-657AC1AD237C}" type="datetimeFigureOut">
               <a:rPr lang="en-US" smtClean="0"/>
-              <a:t>5/2/2020</a:t>
+              <a:t>5/3/2020</a:t>
             </a:fld>
             <a:endParaRPr lang="en-US"/>
           </a:p>
@@ -5984,7 +5984,7 @@
           <a:p>
             <a:fld id="{CE08E4C5-6DD5-4CE8-B3A7-657AC1AD237C}" type="datetimeFigureOut">
               <a:rPr lang="en-US" smtClean="0"/>
-              <a:t>5/2/2020</a:t>
+              <a:t>5/3/2020</a:t>
             </a:fld>
             <a:endParaRPr lang="en-US"/>
           </a:p>
@@ -6801,7 +6801,32 @@
           <a:bodyPr/>
           <a:lstStyle/>
           <a:p>
-            <a:endParaRPr lang="en-US"/>
+            <a:r>
+              <a:rPr lang="en-US" dirty="0"/>
+              <a:t>In Azure we made used of Linear Regression which is type of regression analysis where the number of independent variables is one and there is a linear relationship between the independent and dependent variable. Decision tree model is very good at handling tabular data with numerical features, or categorical features with fewer than hundreds of categories. </a:t>
+            </a:r>
+          </a:p>
+          <a:p>
+            <a:r>
+              <a:rPr lang="en-US" dirty="0"/>
+              <a:t>With it apply we scored the dataset as get the values that would </a:t>
+            </a:r>
+            <a:r>
+              <a:rPr lang="en-US" dirty="0" err="1"/>
+              <a:t>repesent</a:t>
+            </a:r>
+            <a:r>
+              <a:rPr lang="en-US" dirty="0"/>
+              <a:t> the prediction of future. As it takes the frequency of the data list rows with similar score and indicates the likelihood of it </a:t>
+            </a:r>
+            <a:r>
+              <a:rPr lang="en-US" dirty="0" err="1"/>
+              <a:t>beeing</a:t>
+            </a:r>
+            <a:r>
+              <a:rPr lang="en-US" dirty="0"/>
+              <a:t> part of the same type. </a:t>
+            </a:r>
           </a:p>
         </p:txBody>
       </p:sp>
@@ -6887,10 +6912,10 @@
       </p:sp>
       <p:pic>
         <p:nvPicPr>
-          <p:cNvPr id="4" name="Picture 3">
+          <p:cNvPr id="6" name="Picture 5">
             <a:extLst>
               <a:ext uri="{FF2B5EF4-FFF2-40B4-BE49-F238E27FC236}">
-                <a16:creationId xmlns:a16="http://schemas.microsoft.com/office/drawing/2014/main" id="{D043A2BE-469C-4E20-87D7-3A08B435657E}"/>
+                <a16:creationId xmlns:a16="http://schemas.microsoft.com/office/drawing/2014/main" id="{34101F40-847D-4049-B463-64061550A978}"/>
               </a:ext>
             </a:extLst>
           </p:cNvPr>
@@ -6907,8 +6932,8 @@
         </p:blipFill>
         <p:spPr>
           <a:xfrm>
-            <a:off x="1581149" y="946747"/>
-            <a:ext cx="9029700" cy="4929121"/>
+            <a:off x="1515207" y="769033"/>
+            <a:ext cx="9161584" cy="5319933"/>
           </a:xfrm>
           <a:prstGeom prst="rect">
             <a:avLst/>
@@ -6945,31 +6970,6 @@
           <a:chExt cx="0" cy="0"/>
         </a:xfrm>
       </p:grpSpPr>
-      <p:sp>
-        <p:nvSpPr>
-          <p:cNvPr id="2" name="Title 1">
-            <a:extLst>
-              <a:ext uri="{FF2B5EF4-FFF2-40B4-BE49-F238E27FC236}">
-                <a16:creationId xmlns:a16="http://schemas.microsoft.com/office/drawing/2014/main" id="{7272DF55-17D0-4454-9BFD-FA9F394BB466}"/>
-              </a:ext>
-            </a:extLst>
-          </p:cNvPr>
-          <p:cNvSpPr>
-            <a:spLocks noGrp="1"/>
-          </p:cNvSpPr>
-          <p:nvPr>
-            <p:ph type="title"/>
-          </p:nvPr>
-        </p:nvSpPr>
-        <p:spPr/>
-        <p:txBody>
-          <a:bodyPr/>
-          <a:lstStyle/>
-          <a:p>
-            <a:endParaRPr lang="en-US"/>
-          </a:p>
-        </p:txBody>
-      </p:sp>
       <p:pic>
         <p:nvPicPr>
           <p:cNvPr id="4" name="Content Placeholder 3">

--- a/Project/1-CIS3200 Project.pptx
+++ b/Project/1-CIS3200 Project.pptx
@@ -7196,6 +7196,19 @@
                 <a:hlinkClick r:id="rId2"/>
               </a:rPr>
               <a:t>https://catalog.data.gov/dataset/accidental-drug-related-deaths-january-2012-sept-2015</a:t>
+            </a:r>
+            <a:endParaRPr lang="en-US" dirty="0"/>
+          </a:p>
+          <a:p>
+            <a:r>
+              <a:rPr lang="en-US" dirty="0"/>
+              <a:t>GitHub: </a:t>
+            </a:r>
+            <a:r>
+              <a:rPr lang="en-US" dirty="0">
+                <a:hlinkClick r:id="rId3"/>
+              </a:rPr>
+              <a:t>https://github.com/GianV77/CIS3200Project.git</a:t>
             </a:r>
             <a:endParaRPr lang="en-US" dirty="0"/>
           </a:p>

--- a/Project/1-CIS3200 Project.pptx
+++ b/Project/1-CIS3200 Project.pptx
@@ -7166,7 +7166,9 @@
         </p:nvSpPr>
         <p:spPr/>
         <p:txBody>
-          <a:bodyPr/>
+          <a:bodyPr>
+            <a:normAutofit fontScale="92500" lnSpcReduction="10000"/>
+          </a:bodyPr>
           <a:lstStyle/>
           <a:p>
             <a:r>
@@ -7211,6 +7213,29 @@
               <a:t>https://github.com/GianV77/CIS3200Project.git</a:t>
             </a:r>
             <a:endParaRPr lang="en-US" dirty="0"/>
+          </a:p>
+          <a:p>
+            <a:r>
+              <a:rPr lang="en-US"/>
+              <a:t>Azure Gallery</a:t>
+            </a:r>
+            <a:r>
+              <a:rPr lang="en-US" dirty="0"/>
+              <a:t>: </a:t>
+            </a:r>
+            <a:r>
+              <a:rPr lang="en-US" dirty="0">
+                <a:hlinkClick r:id="rId4"/>
+              </a:rPr>
+              <a:t>https://gallery.cortanaintelligence.com/Experiment/Drug-overdose-death-2012-18</a:t>
+            </a:r>
+            <a:endParaRPr lang="en-US" dirty="0"/>
+          </a:p>
+          <a:p>
+            <a:pPr marL="0" indent="0">
+              <a:buNone/>
+            </a:pPr>
+            <a:endParaRPr lang="en-US" sz="2200" dirty="0"/>
           </a:p>
         </p:txBody>
       </p:sp>

--- a/Project/1-CIS3200 Project.pptx
+++ b/Project/1-CIS3200 Project.pptx
@@ -649,6 +649,90 @@
           <a:p>
             <a:fld id="{3D614544-1671-4F9C-9DB8-6B60706B9E49}" type="slidenum">
               <a:rPr lang="en-US" smtClean="0"/>
+              <a:t>3</a:t>
+            </a:fld>
+            <a:endParaRPr lang="en-US"/>
+          </a:p>
+        </p:txBody>
+      </p:sp>
+    </p:spTree>
+    <p:extLst>
+      <p:ext uri="{BB962C8B-B14F-4D97-AF65-F5344CB8AC3E}">
+        <p14:creationId xmlns:p14="http://schemas.microsoft.com/office/powerpoint/2010/main" val="240598758"/>
+      </p:ext>
+    </p:extLst>
+  </p:cSld>
+  <p:clrMapOvr>
+    <a:masterClrMapping/>
+  </p:clrMapOvr>
+</p:notes>
+</file>
+
+<file path=ppt/notesSlides/notesSlide3.xml><?xml version="1.0" encoding="utf-8"?>
+<p:notes xmlns:a="http://schemas.openxmlformats.org/drawingml/2006/main" xmlns:r="http://schemas.openxmlformats.org/officeDocument/2006/relationships" xmlns:p="http://schemas.openxmlformats.org/presentationml/2006/main">
+  <p:cSld>
+    <p:spTree>
+      <p:nvGrpSpPr>
+        <p:cNvPr id="1" name=""/>
+        <p:cNvGrpSpPr/>
+        <p:nvPr/>
+      </p:nvGrpSpPr>
+      <p:grpSpPr>
+        <a:xfrm>
+          <a:off x="0" y="0"/>
+          <a:ext cx="0" cy="0"/>
+          <a:chOff x="0" y="0"/>
+          <a:chExt cx="0" cy="0"/>
+        </a:xfrm>
+      </p:grpSpPr>
+      <p:sp>
+        <p:nvSpPr>
+          <p:cNvPr id="2" name="Slide Image Placeholder 1"/>
+          <p:cNvSpPr>
+            <a:spLocks noGrp="1" noRot="1" noChangeAspect="1"/>
+          </p:cNvSpPr>
+          <p:nvPr>
+            <p:ph type="sldImg"/>
+          </p:nvPr>
+        </p:nvSpPr>
+        <p:spPr/>
+      </p:sp>
+      <p:sp>
+        <p:nvSpPr>
+          <p:cNvPr id="3" name="Notes Placeholder 2"/>
+          <p:cNvSpPr>
+            <a:spLocks noGrp="1"/>
+          </p:cNvSpPr>
+          <p:nvPr>
+            <p:ph type="body" idx="1"/>
+          </p:nvPr>
+        </p:nvSpPr>
+        <p:spPr/>
+        <p:txBody>
+          <a:bodyPr/>
+          <a:lstStyle/>
+          <a:p>
+            <a:endParaRPr lang="en-US" dirty="0"/>
+          </a:p>
+        </p:txBody>
+      </p:sp>
+      <p:sp>
+        <p:nvSpPr>
+          <p:cNvPr id="4" name="Slide Number Placeholder 3"/>
+          <p:cNvSpPr>
+            <a:spLocks noGrp="1"/>
+          </p:cNvSpPr>
+          <p:nvPr>
+            <p:ph type="sldNum" sz="quarter" idx="5"/>
+          </p:nvPr>
+        </p:nvSpPr>
+        <p:spPr/>
+        <p:txBody>
+          <a:bodyPr/>
+          <a:lstStyle/>
+          <a:p>
+            <a:fld id="{3D614544-1671-4F9C-9DB8-6B60706B9E49}" type="slidenum">
+              <a:rPr lang="en-US" smtClean="0"/>
               <a:t>9</a:t>
             </a:fld>
             <a:endParaRPr lang="en-US"/>
@@ -668,7 +752,7 @@
 </p:notes>
 </file>
 
-<file path=ppt/notesSlides/notesSlide3.xml><?xml version="1.0" encoding="utf-8"?>
+<file path=ppt/notesSlides/notesSlide4.xml><?xml version="1.0" encoding="utf-8"?>
 <p:notes xmlns:a="http://schemas.openxmlformats.org/drawingml/2006/main" xmlns:r="http://schemas.openxmlformats.org/officeDocument/2006/relationships" xmlns:p="http://schemas.openxmlformats.org/presentationml/2006/main">
   <p:cSld>
     <p:spTree>
@@ -6809,23 +6893,7 @@
           <a:p>
             <a:r>
               <a:rPr lang="en-US" dirty="0"/>
-              <a:t>With it apply we scored the dataset as get the values that would </a:t>
-            </a:r>
-            <a:r>
-              <a:rPr lang="en-US" dirty="0" err="1"/>
-              <a:t>repesent</a:t>
-            </a:r>
-            <a:r>
-              <a:rPr lang="en-US" dirty="0"/>
-              <a:t> the prediction of future. As it takes the frequency of the data list rows with similar score and indicates the likelihood of it </a:t>
-            </a:r>
-            <a:r>
-              <a:rPr lang="en-US" dirty="0" err="1"/>
-              <a:t>beeing</a:t>
-            </a:r>
-            <a:r>
-              <a:rPr lang="en-US" dirty="0"/>
-              <a:t> part of the same type. </a:t>
+              <a:t>With it apply we scored the dataset as get the values that would represent the prediction of future. As it takes the frequency of the data list rows with similar score and indicates the likelihood of it being part of the same type. </a:t>
             </a:r>
           </a:p>
         </p:txBody>
@@ -7195,7 +7263,7 @@
             </a:r>
             <a:r>
               <a:rPr lang="en-US" dirty="0">
-                <a:hlinkClick r:id="rId2"/>
+                <a:hlinkClick r:id="rId3"/>
               </a:rPr>
               <a:t>https://catalog.data.gov/dataset/accidental-drug-related-deaths-january-2012-sept-2015</a:t>
             </a:r>
@@ -7208,7 +7276,7 @@
             </a:r>
             <a:r>
               <a:rPr lang="en-US" dirty="0">
-                <a:hlinkClick r:id="rId3"/>
+                <a:hlinkClick r:id="rId4"/>
               </a:rPr>
               <a:t>https://github.com/GianV77/CIS3200Project.git</a:t>
             </a:r>
@@ -7216,16 +7284,12 @@
           </a:p>
           <a:p>
             <a:r>
-              <a:rPr lang="en-US"/>
-              <a:t>Azure Gallery</a:t>
-            </a:r>
-            <a:r>
               <a:rPr lang="en-US" dirty="0"/>
-              <a:t>: </a:t>
+              <a:t>Azure Gallery: </a:t>
             </a:r>
             <a:r>
               <a:rPr lang="en-US" dirty="0">
-                <a:hlinkClick r:id="rId4"/>
+                <a:hlinkClick r:id="rId5"/>
               </a:rPr>
               <a:t>https://gallery.cortanaintelligence.com/Experiment/Drug-overdose-death-2012-18</a:t>
             </a:r>
@@ -8404,19 +8468,11 @@
           <a:p>
             <a:r>
               <a:rPr lang="en-US" dirty="0"/>
-              <a:t>Using Elastic Cloud and Kibana we created </a:t>
+              <a:t>Using Elastic Cloud and Kibana we created visualization of the content of the data, that allow us to see and compare some of the important information that is being convey. The data contain information about the people that die due to drug </a:t>
             </a:r>
             <a:r>
               <a:rPr lang="en-US" dirty="0" err="1"/>
-              <a:t>visualiation</a:t>
-            </a:r>
-            <a:r>
-              <a:rPr lang="en-US" dirty="0"/>
-              <a:t> of the content of the data, that allow us to see and compare some of the important information that is being convey. The data contain information about the people that die due to drug </a:t>
-            </a:r>
-            <a:r>
-              <a:rPr lang="en-US" dirty="0" err="1"/>
-              <a:t>overthose</a:t>
+              <a:t>overdhose</a:t>
             </a:r>
             <a:r>
               <a:rPr lang="en-US" dirty="0"/>

--- a/Project/1-CIS3200 Project.pptx
+++ b/Project/1-CIS3200 Project.pptx
@@ -5,22 +5,23 @@
     <p:sldMasterId id="2147483791" r:id="rId1"/>
   </p:sldMasterIdLst>
   <p:notesMasterIdLst>
-    <p:notesMasterId r:id="rId15"/>
+    <p:notesMasterId r:id="rId16"/>
   </p:notesMasterIdLst>
   <p:sldIdLst>
     <p:sldId id="256" r:id="rId2"/>
     <p:sldId id="257" r:id="rId3"/>
     <p:sldId id="258" r:id="rId4"/>
     <p:sldId id="259" r:id="rId5"/>
-    <p:sldId id="260" r:id="rId6"/>
-    <p:sldId id="261" r:id="rId7"/>
-    <p:sldId id="263" r:id="rId8"/>
-    <p:sldId id="264" r:id="rId9"/>
-    <p:sldId id="265" r:id="rId10"/>
-    <p:sldId id="262" r:id="rId11"/>
-    <p:sldId id="266" r:id="rId12"/>
-    <p:sldId id="268" r:id="rId13"/>
-    <p:sldId id="267" r:id="rId14"/>
+    <p:sldId id="269" r:id="rId6"/>
+    <p:sldId id="260" r:id="rId7"/>
+    <p:sldId id="261" r:id="rId8"/>
+    <p:sldId id="263" r:id="rId9"/>
+    <p:sldId id="264" r:id="rId10"/>
+    <p:sldId id="265" r:id="rId11"/>
+    <p:sldId id="262" r:id="rId12"/>
+    <p:sldId id="266" r:id="rId13"/>
+    <p:sldId id="268" r:id="rId14"/>
+    <p:sldId id="267" r:id="rId15"/>
   </p:sldIdLst>
   <p:sldSz cx="12192000" cy="6858000"/>
   <p:notesSz cx="6858000" cy="9144000"/>
@@ -221,7 +222,7 @@
           <a:p>
             <a:fld id="{78F6649D-6A81-43F0-9E89-99C91DFEDA35}" type="datetimeFigureOut">
               <a:rPr lang="en-US" smtClean="0"/>
-              <a:t>5/3/2020</a:t>
+              <a:t>5/4/2020</a:t>
             </a:fld>
             <a:endParaRPr lang="en-US"/>
           </a:p>
@@ -733,7 +734,7 @@
           <a:p>
             <a:fld id="{3D614544-1671-4F9C-9DB8-6B60706B9E49}" type="slidenum">
               <a:rPr lang="en-US" smtClean="0"/>
-              <a:t>9</a:t>
+              <a:t>10</a:t>
             </a:fld>
             <a:endParaRPr lang="en-US"/>
           </a:p>
@@ -817,7 +818,7 @@
           <a:p>
             <a:fld id="{3D614544-1671-4F9C-9DB8-6B60706B9E49}" type="slidenum">
               <a:rPr lang="en-US" smtClean="0"/>
-              <a:t>10</a:t>
+              <a:t>11</a:t>
             </a:fld>
             <a:endParaRPr lang="en-US"/>
           </a:p>
@@ -1167,7 +1168,7 @@
           <a:p>
             <a:fld id="{CE08E4C5-6DD5-4CE8-B3A7-657AC1AD237C}" type="datetimeFigureOut">
               <a:rPr lang="en-US" smtClean="0"/>
-              <a:t>5/3/2020</a:t>
+              <a:t>5/4/2020</a:t>
             </a:fld>
             <a:endParaRPr lang="en-US"/>
           </a:p>
@@ -1496,7 +1497,7 @@
           <a:p>
             <a:fld id="{CE08E4C5-6DD5-4CE8-B3A7-657AC1AD237C}" type="datetimeFigureOut">
               <a:rPr lang="en-US" smtClean="0"/>
-              <a:t>5/3/2020</a:t>
+              <a:t>5/4/2020</a:t>
             </a:fld>
             <a:endParaRPr lang="en-US"/>
           </a:p>
@@ -1744,7 +1745,7 @@
           <a:p>
             <a:fld id="{CE08E4C5-6DD5-4CE8-B3A7-657AC1AD237C}" type="datetimeFigureOut">
               <a:rPr lang="en-US" smtClean="0"/>
-              <a:t>5/3/2020</a:t>
+              <a:t>5/4/2020</a:t>
             </a:fld>
             <a:endParaRPr lang="en-US"/>
           </a:p>
@@ -2083,7 +2084,7 @@
           <a:p>
             <a:fld id="{CE08E4C5-6DD5-4CE8-B3A7-657AC1AD237C}" type="datetimeFigureOut">
               <a:rPr lang="en-US" smtClean="0"/>
-              <a:t>5/3/2020</a:t>
+              <a:t>5/4/2020</a:t>
             </a:fld>
             <a:endParaRPr lang="en-US"/>
           </a:p>
@@ -2430,7 +2431,7 @@
           <a:p>
             <a:fld id="{CE08E4C5-6DD5-4CE8-B3A7-657AC1AD237C}" type="datetimeFigureOut">
               <a:rPr lang="en-US" smtClean="0"/>
-              <a:t>5/3/2020</a:t>
+              <a:t>5/4/2020</a:t>
             </a:fld>
             <a:endParaRPr lang="en-US"/>
           </a:p>
@@ -2804,7 +2805,7 @@
           <a:p>
             <a:fld id="{CE08E4C5-6DD5-4CE8-B3A7-657AC1AD237C}" type="datetimeFigureOut">
               <a:rPr lang="en-US" smtClean="0"/>
-              <a:t>5/3/2020</a:t>
+              <a:t>5/4/2020</a:t>
             </a:fld>
             <a:endParaRPr lang="en-US"/>
           </a:p>
@@ -3274,7 +3275,7 @@
           <a:p>
             <a:fld id="{CE08E4C5-6DD5-4CE8-B3A7-657AC1AD237C}" type="datetimeFigureOut">
               <a:rPr lang="en-US" smtClean="0"/>
-              <a:t>5/3/2020</a:t>
+              <a:t>5/4/2020</a:t>
             </a:fld>
             <a:endParaRPr lang="en-US"/>
           </a:p>
@@ -3479,7 +3480,7 @@
           <a:p>
             <a:fld id="{CE08E4C5-6DD5-4CE8-B3A7-657AC1AD237C}" type="datetimeFigureOut">
               <a:rPr lang="en-US" smtClean="0"/>
-              <a:t>5/3/2020</a:t>
+              <a:t>5/4/2020</a:t>
             </a:fld>
             <a:endParaRPr lang="en-US"/>
           </a:p>
@@ -3690,7 +3691,7 @@
           <a:p>
             <a:fld id="{CE08E4C5-6DD5-4CE8-B3A7-657AC1AD237C}" type="datetimeFigureOut">
               <a:rPr lang="en-US" smtClean="0"/>
-              <a:t>5/3/2020</a:t>
+              <a:t>5/4/2020</a:t>
             </a:fld>
             <a:endParaRPr lang="en-US"/>
           </a:p>
@@ -3927,7 +3928,7 @@
           <a:p>
             <a:fld id="{CE08E4C5-6DD5-4CE8-B3A7-657AC1AD237C}" type="datetimeFigureOut">
               <a:rPr lang="en-US" smtClean="0"/>
-              <a:t>5/3/2020</a:t>
+              <a:t>5/4/2020</a:t>
             </a:fld>
             <a:endParaRPr lang="en-US"/>
           </a:p>
@@ -4175,7 +4176,7 @@
           <a:p>
             <a:fld id="{CE08E4C5-6DD5-4CE8-B3A7-657AC1AD237C}" type="datetimeFigureOut">
               <a:rPr lang="en-US" smtClean="0"/>
-              <a:t>5/3/2020</a:t>
+              <a:t>5/4/2020</a:t>
             </a:fld>
             <a:endParaRPr lang="en-US"/>
           </a:p>
@@ -4478,7 +4479,7 @@
           <a:p>
             <a:fld id="{CE08E4C5-6DD5-4CE8-B3A7-657AC1AD237C}" type="datetimeFigureOut">
               <a:rPr lang="en-US" smtClean="0"/>
-              <a:t>5/3/2020</a:t>
+              <a:t>5/4/2020</a:t>
             </a:fld>
             <a:endParaRPr lang="en-US"/>
           </a:p>
@@ -4872,7 +4873,7 @@
           <a:p>
             <a:fld id="{CE08E4C5-6DD5-4CE8-B3A7-657AC1AD237C}" type="datetimeFigureOut">
               <a:rPr lang="en-US" smtClean="0"/>
-              <a:t>5/3/2020</a:t>
+              <a:t>5/4/2020</a:t>
             </a:fld>
             <a:endParaRPr lang="en-US"/>
           </a:p>
@@ -5021,7 +5022,7 @@
           <a:p>
             <a:fld id="{CE08E4C5-6DD5-4CE8-B3A7-657AC1AD237C}" type="datetimeFigureOut">
               <a:rPr lang="en-US" smtClean="0"/>
-              <a:t>5/3/2020</a:t>
+              <a:t>5/4/2020</a:t>
             </a:fld>
             <a:endParaRPr lang="en-US"/>
           </a:p>
@@ -5147,7 +5148,7 @@
           <a:p>
             <a:fld id="{CE08E4C5-6DD5-4CE8-B3A7-657AC1AD237C}" type="datetimeFigureOut">
               <a:rPr lang="en-US" smtClean="0"/>
-              <a:t>5/3/2020</a:t>
+              <a:t>5/4/2020</a:t>
             </a:fld>
             <a:endParaRPr lang="en-US"/>
           </a:p>
@@ -5402,7 +5403,7 @@
           <a:p>
             <a:fld id="{CE08E4C5-6DD5-4CE8-B3A7-657AC1AD237C}" type="datetimeFigureOut">
               <a:rPr lang="en-US" smtClean="0"/>
-              <a:t>5/3/2020</a:t>
+              <a:t>5/4/2020</a:t>
             </a:fld>
             <a:endParaRPr lang="en-US"/>
           </a:p>
@@ -5717,7 +5718,7 @@
           <a:p>
             <a:fld id="{CE08E4C5-6DD5-4CE8-B3A7-657AC1AD237C}" type="datetimeFigureOut">
               <a:rPr lang="en-US" smtClean="0"/>
-              <a:t>5/3/2020</a:t>
+              <a:t>5/4/2020</a:t>
             </a:fld>
             <a:endParaRPr lang="en-US"/>
           </a:p>
@@ -6068,7 +6069,7 @@
           <a:p>
             <a:fld id="{CE08E4C5-6DD5-4CE8-B3A7-657AC1AD237C}" type="datetimeFigureOut">
               <a:rPr lang="en-US" smtClean="0"/>
-              <a:t>5/3/2020</a:t>
+              <a:t>5/4/2020</a:t>
             </a:fld>
             <a:endParaRPr lang="en-US"/>
           </a:p>
@@ -6748,7 +6749,7 @@
           <p:cNvPr id="2" name="Title 1">
             <a:extLst>
               <a:ext uri="{FF2B5EF4-FFF2-40B4-BE49-F238E27FC236}">
-                <a16:creationId xmlns:a16="http://schemas.microsoft.com/office/drawing/2014/main" id="{0BE3E263-A173-460A-AF43-E9B11D5A054A}"/>
+                <a16:creationId xmlns:a16="http://schemas.microsoft.com/office/drawing/2014/main" id="{9544FD64-5EBE-49FE-B494-B0A8AE899F4E}"/>
               </a:ext>
             </a:extLst>
           </p:cNvPr>
@@ -6761,7 +6762,7 @@
         </p:nvSpPr>
         <p:spPr>
           <a:xfrm>
-            <a:off x="1295402" y="603767"/>
+            <a:off x="1295402" y="535323"/>
             <a:ext cx="9601196" cy="1303867"/>
           </a:xfrm>
         </p:spPr>
@@ -6770,46 +6771,79 @@
           <a:lstStyle/>
           <a:p>
             <a:r>
-              <a:rPr lang="en-US" dirty="0"/>
-              <a:t>Dashboard</a:t>
-            </a:r>
+              <a:rPr lang="en-US"/>
+              <a:t>Visuals</a:t>
+            </a:r>
+            <a:endParaRPr lang="en-US" dirty="0"/>
           </a:p>
         </p:txBody>
       </p:sp>
       <p:pic>
         <p:nvPicPr>
-          <p:cNvPr id="8" name="Picture 7">
+          <p:cNvPr id="4" name="Picture 3">
             <a:extLst>
               <a:ext uri="{FF2B5EF4-FFF2-40B4-BE49-F238E27FC236}">
-                <a16:creationId xmlns:a16="http://schemas.microsoft.com/office/drawing/2014/main" id="{434FB41B-52DB-450C-9F61-B781CF049567}"/>
+                <a16:creationId xmlns:a16="http://schemas.microsoft.com/office/drawing/2014/main" id="{180B2309-347D-47A1-829A-C1EA52A2E29C}"/>
               </a:ext>
             </a:extLst>
           </p:cNvPr>
-          <p:cNvPicPr>
-            <a:picLocks noChangeAspect="1"/>
-          </p:cNvPicPr>
+          <p:cNvPicPr/>
           <p:nvPr/>
         </p:nvPicPr>
-        <p:blipFill>
+        <p:blipFill rotWithShape="1">
           <a:blip r:embed="rId3"/>
-          <a:stretch>
-            <a:fillRect/>
-          </a:stretch>
+          <a:srcRect t="3162"/>
+          <a:stretch/>
         </p:blipFill>
         <p:spPr>
           <a:xfrm>
-            <a:off x="1932709" y="1839000"/>
-            <a:ext cx="8551718" cy="4415233"/>
+            <a:off x="986998" y="2514600"/>
+            <a:ext cx="10218003" cy="3704168"/>
           </a:xfrm>
           <a:prstGeom prst="rect">
             <a:avLst/>
           </a:prstGeom>
         </p:spPr>
       </p:pic>
+      <p:sp>
+        <p:nvSpPr>
+          <p:cNvPr id="38" name="TextBox 37">
+            <a:extLst>
+              <a:ext uri="{FF2B5EF4-FFF2-40B4-BE49-F238E27FC236}">
+                <a16:creationId xmlns:a16="http://schemas.microsoft.com/office/drawing/2014/main" id="{DFEE8AF1-20D2-4BE5-BE17-00BC0E3576F5}"/>
+              </a:ext>
+            </a:extLst>
+          </p:cNvPr>
+          <p:cNvSpPr txBox="1"/>
+          <p:nvPr/>
+        </p:nvSpPr>
+        <p:spPr>
+          <a:xfrm>
+            <a:off x="1295402" y="1992229"/>
+            <a:ext cx="5861536" cy="369332"/>
+          </a:xfrm>
+          <a:prstGeom prst="rect">
+            <a:avLst/>
+          </a:prstGeom>
+          <a:noFill/>
+        </p:spPr>
+        <p:txBody>
+          <a:bodyPr wrap="square" rtlCol="0">
+            <a:spAutoFit/>
+          </a:bodyPr>
+          <a:lstStyle/>
+          <a:p>
+            <a:r>
+              <a:rPr lang="en-US" dirty="0"/>
+              <a:t>Increase and decrease of drugs usage from 2012-2018</a:t>
+            </a:r>
+          </a:p>
+        </p:txBody>
+      </p:sp>
     </p:spTree>
     <p:extLst>
       <p:ext uri="{BB962C8B-B14F-4D97-AF65-F5344CB8AC3E}">
-        <p14:creationId xmlns:p14="http://schemas.microsoft.com/office/powerpoint/2010/main" val="2259947245"/>
+        <p14:creationId xmlns:p14="http://schemas.microsoft.com/office/powerpoint/2010/main" val="2719595970"/>
       </p:ext>
     </p:extLst>
   </p:cSld>
@@ -6841,7 +6875,7 @@
           <p:cNvPr id="2" name="Title 1">
             <a:extLst>
               <a:ext uri="{FF2B5EF4-FFF2-40B4-BE49-F238E27FC236}">
-                <a16:creationId xmlns:a16="http://schemas.microsoft.com/office/drawing/2014/main" id="{464BEE05-A05B-4664-8377-E7D6399AAC66}"/>
+                <a16:creationId xmlns:a16="http://schemas.microsoft.com/office/drawing/2014/main" id="{0BE3E263-A173-460A-AF43-E9B11D5A054A}"/>
               </a:ext>
             </a:extLst>
           </p:cNvPr>
@@ -6852,56 +6886,57 @@
             <p:ph type="title"/>
           </p:nvPr>
         </p:nvSpPr>
-        <p:spPr/>
+        <p:spPr>
+          <a:xfrm>
+            <a:off x="1295402" y="603767"/>
+            <a:ext cx="9601196" cy="1303867"/>
+          </a:xfrm>
+        </p:spPr>
         <p:txBody>
           <a:bodyPr/>
           <a:lstStyle/>
           <a:p>
             <a:r>
               <a:rPr lang="en-US" dirty="0"/>
-              <a:t>Azure Implementations</a:t>
-            </a:r>
-          </a:p>
-        </p:txBody>
-      </p:sp>
-      <p:sp>
-        <p:nvSpPr>
-          <p:cNvPr id="3" name="Content Placeholder 2">
+              <a:t>Dashboard</a:t>
+            </a:r>
+          </a:p>
+        </p:txBody>
+      </p:sp>
+      <p:pic>
+        <p:nvPicPr>
+          <p:cNvPr id="8" name="Picture 7">
             <a:extLst>
               <a:ext uri="{FF2B5EF4-FFF2-40B4-BE49-F238E27FC236}">
-                <a16:creationId xmlns:a16="http://schemas.microsoft.com/office/drawing/2014/main" id="{75DFB8AF-5DF0-4041-873D-C8C744A3D70D}"/>
+                <a16:creationId xmlns:a16="http://schemas.microsoft.com/office/drawing/2014/main" id="{434FB41B-52DB-450C-9F61-B781CF049567}"/>
               </a:ext>
             </a:extLst>
           </p:cNvPr>
-          <p:cNvSpPr>
-            <a:spLocks noGrp="1"/>
-          </p:cNvSpPr>
-          <p:nvPr>
-            <p:ph idx="1"/>
-          </p:nvPr>
-        </p:nvSpPr>
-        <p:spPr/>
-        <p:txBody>
-          <a:bodyPr/>
-          <a:lstStyle/>
-          <a:p>
-            <a:r>
-              <a:rPr lang="en-US" dirty="0"/>
-              <a:t>In Azure we made used of Linear Regression which is type of regression analysis where the number of independent variables is one and there is a linear relationship between the independent and dependent variable. Decision tree model is very good at handling tabular data with numerical features, or categorical features with fewer than hundreds of categories. </a:t>
-            </a:r>
-          </a:p>
-          <a:p>
-            <a:r>
-              <a:rPr lang="en-US" dirty="0"/>
-              <a:t>With it apply we scored the dataset as get the values that would represent the prediction of future. As it takes the frequency of the data list rows with similar score and indicates the likelihood of it being part of the same type. </a:t>
-            </a:r>
-          </a:p>
-        </p:txBody>
-      </p:sp>
+          <p:cNvPicPr>
+            <a:picLocks noChangeAspect="1"/>
+          </p:cNvPicPr>
+          <p:nvPr/>
+        </p:nvPicPr>
+        <p:blipFill>
+          <a:blip r:embed="rId3"/>
+          <a:stretch>
+            <a:fillRect/>
+          </a:stretch>
+        </p:blipFill>
+        <p:spPr>
+          <a:xfrm>
+            <a:off x="1932709" y="1839000"/>
+            <a:ext cx="8551718" cy="4415233"/>
+          </a:xfrm>
+          <a:prstGeom prst="rect">
+            <a:avLst/>
+          </a:prstGeom>
+        </p:spPr>
+      </p:pic>
     </p:spTree>
     <p:extLst>
       <p:ext uri="{BB962C8B-B14F-4D97-AF65-F5344CB8AC3E}">
-        <p14:creationId xmlns:p14="http://schemas.microsoft.com/office/powerpoint/2010/main" val="2621700617"/>
+        <p14:creationId xmlns:p14="http://schemas.microsoft.com/office/powerpoint/2010/main" val="2259947245"/>
       </p:ext>
     </p:extLst>
   </p:cSld>
@@ -6933,6 +6968,98 @@
           <p:cNvPr id="2" name="Title 1">
             <a:extLst>
               <a:ext uri="{FF2B5EF4-FFF2-40B4-BE49-F238E27FC236}">
+                <a16:creationId xmlns:a16="http://schemas.microsoft.com/office/drawing/2014/main" id="{464BEE05-A05B-4664-8377-E7D6399AAC66}"/>
+              </a:ext>
+            </a:extLst>
+          </p:cNvPr>
+          <p:cNvSpPr>
+            <a:spLocks noGrp="1"/>
+          </p:cNvSpPr>
+          <p:nvPr>
+            <p:ph type="title"/>
+          </p:nvPr>
+        </p:nvSpPr>
+        <p:spPr/>
+        <p:txBody>
+          <a:bodyPr/>
+          <a:lstStyle/>
+          <a:p>
+            <a:r>
+              <a:rPr lang="en-US" dirty="0"/>
+              <a:t>Azure Implementations</a:t>
+            </a:r>
+          </a:p>
+        </p:txBody>
+      </p:sp>
+      <p:sp>
+        <p:nvSpPr>
+          <p:cNvPr id="3" name="Content Placeholder 2">
+            <a:extLst>
+              <a:ext uri="{FF2B5EF4-FFF2-40B4-BE49-F238E27FC236}">
+                <a16:creationId xmlns:a16="http://schemas.microsoft.com/office/drawing/2014/main" id="{75DFB8AF-5DF0-4041-873D-C8C744A3D70D}"/>
+              </a:ext>
+            </a:extLst>
+          </p:cNvPr>
+          <p:cNvSpPr>
+            <a:spLocks noGrp="1"/>
+          </p:cNvSpPr>
+          <p:nvPr>
+            <p:ph idx="1"/>
+          </p:nvPr>
+        </p:nvSpPr>
+        <p:spPr/>
+        <p:txBody>
+          <a:bodyPr/>
+          <a:lstStyle/>
+          <a:p>
+            <a:r>
+              <a:rPr lang="en-US" dirty="0"/>
+              <a:t>In Azure we made used of Linear Regression which is type of regression analysis where the number of independent variables is one and there is a linear relationship between the independent and dependent variable. Decision tree model is very good at handling tabular data with numerical features, or categorical features with fewer than hundreds of categories. </a:t>
+            </a:r>
+          </a:p>
+          <a:p>
+            <a:r>
+              <a:rPr lang="en-US" dirty="0"/>
+              <a:t>With it apply we scored the dataset as get the values that would represent the prediction of future. As it takes the frequency of the data list rows with similar score and indicates the likelihood of it being part of the same type. </a:t>
+            </a:r>
+          </a:p>
+        </p:txBody>
+      </p:sp>
+    </p:spTree>
+    <p:extLst>
+      <p:ext uri="{BB962C8B-B14F-4D97-AF65-F5344CB8AC3E}">
+        <p14:creationId xmlns:p14="http://schemas.microsoft.com/office/powerpoint/2010/main" val="2621700617"/>
+      </p:ext>
+    </p:extLst>
+  </p:cSld>
+  <p:clrMapOvr>
+    <a:masterClrMapping/>
+  </p:clrMapOvr>
+</p:sld>
+</file>
+
+<file path=ppt/slides/slide13.xml><?xml version="1.0" encoding="utf-8"?>
+<p:sld xmlns:a="http://schemas.openxmlformats.org/drawingml/2006/main" xmlns:r="http://schemas.openxmlformats.org/officeDocument/2006/relationships" xmlns:p="http://schemas.openxmlformats.org/presentationml/2006/main">
+  <p:cSld>
+    <p:spTree>
+      <p:nvGrpSpPr>
+        <p:cNvPr id="1" name=""/>
+        <p:cNvGrpSpPr/>
+        <p:nvPr/>
+      </p:nvGrpSpPr>
+      <p:grpSpPr>
+        <a:xfrm>
+          <a:off x="0" y="0"/>
+          <a:ext cx="0" cy="0"/>
+          <a:chOff x="0" y="0"/>
+          <a:chExt cx="0" cy="0"/>
+        </a:xfrm>
+      </p:grpSpPr>
+      <p:sp>
+        <p:nvSpPr>
+          <p:cNvPr id="2" name="Title 1">
+            <a:extLst>
+              <a:ext uri="{FF2B5EF4-FFF2-40B4-BE49-F238E27FC236}">
                 <a16:creationId xmlns:a16="http://schemas.microsoft.com/office/drawing/2014/main" id="{7511C910-7D75-482A-AB78-FC7A4ACC6E22}"/>
               </a:ext>
             </a:extLst>
@@ -7021,7 +7148,7 @@
 </p:sld>
 </file>
 
-<file path=ppt/slides/slide13.xml><?xml version="1.0" encoding="utf-8"?>
+<file path=ppt/slides/slide14.xml><?xml version="1.0" encoding="utf-8"?>
 <p:sld xmlns:a="http://schemas.openxmlformats.org/drawingml/2006/main" xmlns:r="http://schemas.openxmlformats.org/officeDocument/2006/relationships" xmlns:p="http://schemas.openxmlformats.org/presentationml/2006/main">
   <p:cSld>
     <p:spTree>
@@ -8059,6 +8186,66 @@
 <file path=ppt/slides/slide5.xml><?xml version="1.0" encoding="utf-8"?>
 <p:sld xmlns:a="http://schemas.openxmlformats.org/drawingml/2006/main" xmlns:r="http://schemas.openxmlformats.org/officeDocument/2006/relationships" xmlns:p="http://schemas.openxmlformats.org/presentationml/2006/main">
   <p:cSld>
+    <p:spTree>
+      <p:nvGrpSpPr>
+        <p:cNvPr id="1" name=""/>
+        <p:cNvGrpSpPr/>
+        <p:nvPr/>
+      </p:nvGrpSpPr>
+      <p:grpSpPr>
+        <a:xfrm>
+          <a:off x="0" y="0"/>
+          <a:ext cx="0" cy="0"/>
+          <a:chOff x="0" y="0"/>
+          <a:chExt cx="0" cy="0"/>
+        </a:xfrm>
+      </p:grpSpPr>
+      <p:pic>
+        <p:nvPicPr>
+          <p:cNvPr id="4" name="Picture 3">
+            <a:extLst>
+              <a:ext uri="{FF2B5EF4-FFF2-40B4-BE49-F238E27FC236}">
+                <a16:creationId xmlns:a16="http://schemas.microsoft.com/office/drawing/2014/main" id="{360EADF1-49A1-4D5E-BDE8-3804FEDA698B}"/>
+              </a:ext>
+            </a:extLst>
+          </p:cNvPr>
+          <p:cNvPicPr>
+            <a:picLocks noChangeAspect="1"/>
+          </p:cNvPicPr>
+          <p:nvPr/>
+        </p:nvPicPr>
+        <p:blipFill>
+          <a:blip r:embed="rId2"/>
+          <a:stretch>
+            <a:fillRect/>
+          </a:stretch>
+        </p:blipFill>
+        <p:spPr>
+          <a:xfrm>
+            <a:off x="1084121" y="1177461"/>
+            <a:ext cx="10023757" cy="4503078"/>
+          </a:xfrm>
+          <a:prstGeom prst="rect">
+            <a:avLst/>
+          </a:prstGeom>
+        </p:spPr>
+      </p:pic>
+    </p:spTree>
+    <p:extLst>
+      <p:ext uri="{BB962C8B-B14F-4D97-AF65-F5344CB8AC3E}">
+        <p14:creationId xmlns:p14="http://schemas.microsoft.com/office/powerpoint/2010/main" val="2882488363"/>
+      </p:ext>
+    </p:extLst>
+  </p:cSld>
+  <p:clrMapOvr>
+    <a:masterClrMapping/>
+  </p:clrMapOvr>
+</p:sld>
+</file>
+
+<file path=ppt/slides/slide6.xml><?xml version="1.0" encoding="utf-8"?>
+<p:sld xmlns:a="http://schemas.openxmlformats.org/drawingml/2006/main" xmlns:r="http://schemas.openxmlformats.org/officeDocument/2006/relationships" xmlns:p="http://schemas.openxmlformats.org/presentationml/2006/main">
+  <p:cSld>
     <p:bg>
       <p:bgPr>
         <a:blipFill>
@@ -8594,7 +8781,7 @@
 </p:sld>
 </file>
 
-<file path=ppt/slides/slide6.xml><?xml version="1.0" encoding="utf-8"?>
+<file path=ppt/slides/slide7.xml><?xml version="1.0" encoding="utf-8"?>
 <p:sld xmlns:a="http://schemas.openxmlformats.org/drawingml/2006/main" xmlns:r="http://schemas.openxmlformats.org/officeDocument/2006/relationships" xmlns:p="http://schemas.openxmlformats.org/presentationml/2006/main">
   <p:cSld>
     <p:bg>
@@ -8995,7 +9182,7 @@
 </p:sld>
 </file>
 
-<file path=ppt/slides/slide7.xml><?xml version="1.0" encoding="utf-8"?>
+<file path=ppt/slides/slide8.xml><?xml version="1.0" encoding="utf-8"?>
 <p:sld xmlns:a="http://schemas.openxmlformats.org/drawingml/2006/main" xmlns:r="http://schemas.openxmlformats.org/officeDocument/2006/relationships" xmlns:p="http://schemas.openxmlformats.org/presentationml/2006/main">
   <p:cSld>
     <p:bg>
@@ -9583,7 +9770,7 @@
 </p:sld>
 </file>
 
-<file path=ppt/slides/slide8.xml><?xml version="1.0" encoding="utf-8"?>
+<file path=ppt/slides/slide9.xml><?xml version="1.0" encoding="utf-8"?>
 <p:sld xmlns:a="http://schemas.openxmlformats.org/drawingml/2006/main" xmlns:r="http://schemas.openxmlformats.org/officeDocument/2006/relationships" xmlns:p="http://schemas.openxmlformats.org/presentationml/2006/main">
   <p:cSld>
     <p:spTree>
@@ -9696,132 +9883,6 @@
     <p:extLst>
       <p:ext uri="{BB962C8B-B14F-4D97-AF65-F5344CB8AC3E}">
         <p14:creationId xmlns:p14="http://schemas.microsoft.com/office/powerpoint/2010/main" val="257775329"/>
-      </p:ext>
-    </p:extLst>
-  </p:cSld>
-  <p:clrMapOvr>
-    <a:masterClrMapping/>
-  </p:clrMapOvr>
-</p:sld>
-</file>
-
-<file path=ppt/slides/slide9.xml><?xml version="1.0" encoding="utf-8"?>
-<p:sld xmlns:a="http://schemas.openxmlformats.org/drawingml/2006/main" xmlns:r="http://schemas.openxmlformats.org/officeDocument/2006/relationships" xmlns:p="http://schemas.openxmlformats.org/presentationml/2006/main">
-  <p:cSld>
-    <p:spTree>
-      <p:nvGrpSpPr>
-        <p:cNvPr id="1" name=""/>
-        <p:cNvGrpSpPr/>
-        <p:nvPr/>
-      </p:nvGrpSpPr>
-      <p:grpSpPr>
-        <a:xfrm>
-          <a:off x="0" y="0"/>
-          <a:ext cx="0" cy="0"/>
-          <a:chOff x="0" y="0"/>
-          <a:chExt cx="0" cy="0"/>
-        </a:xfrm>
-      </p:grpSpPr>
-      <p:sp>
-        <p:nvSpPr>
-          <p:cNvPr id="2" name="Title 1">
-            <a:extLst>
-              <a:ext uri="{FF2B5EF4-FFF2-40B4-BE49-F238E27FC236}">
-                <a16:creationId xmlns:a16="http://schemas.microsoft.com/office/drawing/2014/main" id="{9544FD64-5EBE-49FE-B494-B0A8AE899F4E}"/>
-              </a:ext>
-            </a:extLst>
-          </p:cNvPr>
-          <p:cNvSpPr>
-            <a:spLocks noGrp="1"/>
-          </p:cNvSpPr>
-          <p:nvPr>
-            <p:ph type="title"/>
-          </p:nvPr>
-        </p:nvSpPr>
-        <p:spPr>
-          <a:xfrm>
-            <a:off x="1295402" y="535323"/>
-            <a:ext cx="9601196" cy="1303867"/>
-          </a:xfrm>
-        </p:spPr>
-        <p:txBody>
-          <a:bodyPr/>
-          <a:lstStyle/>
-          <a:p>
-            <a:r>
-              <a:rPr lang="en-US"/>
-              <a:t>Visuals</a:t>
-            </a:r>
-            <a:endParaRPr lang="en-US" dirty="0"/>
-          </a:p>
-        </p:txBody>
-      </p:sp>
-      <p:pic>
-        <p:nvPicPr>
-          <p:cNvPr id="4" name="Picture 3">
-            <a:extLst>
-              <a:ext uri="{FF2B5EF4-FFF2-40B4-BE49-F238E27FC236}">
-                <a16:creationId xmlns:a16="http://schemas.microsoft.com/office/drawing/2014/main" id="{180B2309-347D-47A1-829A-C1EA52A2E29C}"/>
-              </a:ext>
-            </a:extLst>
-          </p:cNvPr>
-          <p:cNvPicPr/>
-          <p:nvPr/>
-        </p:nvPicPr>
-        <p:blipFill rotWithShape="1">
-          <a:blip r:embed="rId3"/>
-          <a:srcRect t="3162"/>
-          <a:stretch/>
-        </p:blipFill>
-        <p:spPr>
-          <a:xfrm>
-            <a:off x="986998" y="2514600"/>
-            <a:ext cx="10218003" cy="3704168"/>
-          </a:xfrm>
-          <a:prstGeom prst="rect">
-            <a:avLst/>
-          </a:prstGeom>
-        </p:spPr>
-      </p:pic>
-      <p:sp>
-        <p:nvSpPr>
-          <p:cNvPr id="38" name="TextBox 37">
-            <a:extLst>
-              <a:ext uri="{FF2B5EF4-FFF2-40B4-BE49-F238E27FC236}">
-                <a16:creationId xmlns:a16="http://schemas.microsoft.com/office/drawing/2014/main" id="{DFEE8AF1-20D2-4BE5-BE17-00BC0E3576F5}"/>
-              </a:ext>
-            </a:extLst>
-          </p:cNvPr>
-          <p:cNvSpPr txBox="1"/>
-          <p:nvPr/>
-        </p:nvSpPr>
-        <p:spPr>
-          <a:xfrm>
-            <a:off x="1295402" y="1992229"/>
-            <a:ext cx="5861536" cy="369332"/>
-          </a:xfrm>
-          <a:prstGeom prst="rect">
-            <a:avLst/>
-          </a:prstGeom>
-          <a:noFill/>
-        </p:spPr>
-        <p:txBody>
-          <a:bodyPr wrap="square" rtlCol="0">
-            <a:spAutoFit/>
-          </a:bodyPr>
-          <a:lstStyle/>
-          <a:p>
-            <a:r>
-              <a:rPr lang="en-US" dirty="0"/>
-              <a:t>Increase and decrease of drugs usage from 2012-2018</a:t>
-            </a:r>
-          </a:p>
-        </p:txBody>
-      </p:sp>
-    </p:spTree>
-    <p:extLst>
-      <p:ext uri="{BB962C8B-B14F-4D97-AF65-F5344CB8AC3E}">
-        <p14:creationId xmlns:p14="http://schemas.microsoft.com/office/powerpoint/2010/main" val="2719595970"/>
       </p:ext>
     </p:extLst>
   </p:cSld>

--- a/Project/1-CIS3200 Project.pptx
+++ b/Project/1-CIS3200 Project.pptx
@@ -5,14 +5,14 @@
     <p:sldMasterId id="2147483791" r:id="rId1"/>
   </p:sldMasterIdLst>
   <p:notesMasterIdLst>
-    <p:notesMasterId r:id="rId16"/>
+    <p:notesMasterId r:id="rId18"/>
   </p:notesMasterIdLst>
   <p:sldIdLst>
     <p:sldId id="256" r:id="rId2"/>
     <p:sldId id="257" r:id="rId3"/>
     <p:sldId id="258" r:id="rId4"/>
-    <p:sldId id="259" r:id="rId5"/>
-    <p:sldId id="269" r:id="rId6"/>
+    <p:sldId id="269" r:id="rId5"/>
+    <p:sldId id="259" r:id="rId6"/>
     <p:sldId id="260" r:id="rId7"/>
     <p:sldId id="261" r:id="rId8"/>
     <p:sldId id="263" r:id="rId9"/>
@@ -21,7 +21,9 @@
     <p:sldId id="262" r:id="rId12"/>
     <p:sldId id="266" r:id="rId13"/>
     <p:sldId id="268" r:id="rId14"/>
-    <p:sldId id="267" r:id="rId15"/>
+    <p:sldId id="271" r:id="rId15"/>
+    <p:sldId id="267" r:id="rId16"/>
+    <p:sldId id="270" r:id="rId17"/>
   </p:sldIdLst>
   <p:sldSz cx="12192000" cy="6858000"/>
   <p:notesSz cx="6858000" cy="9144000"/>
@@ -7167,6 +7169,66 @@
       </p:grpSpPr>
       <p:pic>
         <p:nvPicPr>
+          <p:cNvPr id="4" name="Picture 3">
+            <a:extLst>
+              <a:ext uri="{FF2B5EF4-FFF2-40B4-BE49-F238E27FC236}">
+                <a16:creationId xmlns:a16="http://schemas.microsoft.com/office/drawing/2014/main" id="{D46E0C7C-FC7C-4812-B5D2-387C1EE3D2D6}"/>
+              </a:ext>
+            </a:extLst>
+          </p:cNvPr>
+          <p:cNvPicPr>
+            <a:picLocks noChangeAspect="1"/>
+          </p:cNvPicPr>
+          <p:nvPr/>
+        </p:nvPicPr>
+        <p:blipFill>
+          <a:blip r:embed="rId2"/>
+          <a:stretch>
+            <a:fillRect/>
+          </a:stretch>
+        </p:blipFill>
+        <p:spPr>
+          <a:xfrm>
+            <a:off x="4623060" y="1220281"/>
+            <a:ext cx="2945879" cy="4670691"/>
+          </a:xfrm>
+          <a:prstGeom prst="rect">
+            <a:avLst/>
+          </a:prstGeom>
+        </p:spPr>
+      </p:pic>
+    </p:spTree>
+    <p:extLst>
+      <p:ext uri="{BB962C8B-B14F-4D97-AF65-F5344CB8AC3E}">
+        <p14:creationId xmlns:p14="http://schemas.microsoft.com/office/powerpoint/2010/main" val="3264536211"/>
+      </p:ext>
+    </p:extLst>
+  </p:cSld>
+  <p:clrMapOvr>
+    <a:masterClrMapping/>
+  </p:clrMapOvr>
+</p:sld>
+</file>
+
+<file path=ppt/slides/slide15.xml><?xml version="1.0" encoding="utf-8"?>
+<p:sld xmlns:a="http://schemas.openxmlformats.org/drawingml/2006/main" xmlns:r="http://schemas.openxmlformats.org/officeDocument/2006/relationships" xmlns:p="http://schemas.openxmlformats.org/presentationml/2006/main">
+  <p:cSld>
+    <p:spTree>
+      <p:nvGrpSpPr>
+        <p:cNvPr id="1" name=""/>
+        <p:cNvGrpSpPr/>
+        <p:nvPr/>
+      </p:nvGrpSpPr>
+      <p:grpSpPr>
+        <a:xfrm>
+          <a:off x="0" y="0"/>
+          <a:ext cx="0" cy="0"/>
+          <a:chOff x="0" y="0"/>
+          <a:chExt cx="0" cy="0"/>
+        </a:xfrm>
+      </p:grpSpPr>
+      <p:pic>
+        <p:nvPicPr>
           <p:cNvPr id="4" name="Content Placeholder 3">
             <a:extLst>
               <a:ext uri="{FF2B5EF4-FFF2-40B4-BE49-F238E27FC236}">
@@ -7201,6 +7263,96 @@
     <p:extLst>
       <p:ext uri="{BB962C8B-B14F-4D97-AF65-F5344CB8AC3E}">
         <p14:creationId xmlns:p14="http://schemas.microsoft.com/office/powerpoint/2010/main" val="3541675662"/>
+      </p:ext>
+    </p:extLst>
+  </p:cSld>
+  <p:clrMapOvr>
+    <a:masterClrMapping/>
+  </p:clrMapOvr>
+</p:sld>
+</file>
+
+<file path=ppt/slides/slide16.xml><?xml version="1.0" encoding="utf-8"?>
+<p:sld xmlns:a="http://schemas.openxmlformats.org/drawingml/2006/main" xmlns:r="http://schemas.openxmlformats.org/officeDocument/2006/relationships" xmlns:p="http://schemas.openxmlformats.org/presentationml/2006/main">
+  <p:cSld>
+    <p:spTree>
+      <p:nvGrpSpPr>
+        <p:cNvPr id="1" name=""/>
+        <p:cNvGrpSpPr/>
+        <p:nvPr/>
+      </p:nvGrpSpPr>
+      <p:grpSpPr>
+        <a:xfrm>
+          <a:off x="0" y="0"/>
+          <a:ext cx="0" cy="0"/>
+          <a:chOff x="0" y="0"/>
+          <a:chExt cx="0" cy="0"/>
+        </a:xfrm>
+      </p:grpSpPr>
+      <p:pic>
+        <p:nvPicPr>
+          <p:cNvPr id="4" name="Picture 3">
+            <a:extLst>
+              <a:ext uri="{FF2B5EF4-FFF2-40B4-BE49-F238E27FC236}">
+                <a16:creationId xmlns:a16="http://schemas.microsoft.com/office/drawing/2014/main" id="{FDCF5793-D11E-4821-B90D-643BE3877470}"/>
+              </a:ext>
+            </a:extLst>
+          </p:cNvPr>
+          <p:cNvPicPr>
+            <a:picLocks noChangeAspect="1"/>
+          </p:cNvPicPr>
+          <p:nvPr/>
+        </p:nvPicPr>
+        <p:blipFill>
+          <a:blip r:embed="rId2"/>
+          <a:stretch>
+            <a:fillRect/>
+          </a:stretch>
+        </p:blipFill>
+        <p:spPr>
+          <a:xfrm>
+            <a:off x="1585561" y="1361732"/>
+            <a:ext cx="4510439" cy="4463456"/>
+          </a:xfrm>
+          <a:prstGeom prst="rect">
+            <a:avLst/>
+          </a:prstGeom>
+        </p:spPr>
+      </p:pic>
+      <p:pic>
+        <p:nvPicPr>
+          <p:cNvPr id="5" name="Picture 4">
+            <a:extLst>
+              <a:ext uri="{FF2B5EF4-FFF2-40B4-BE49-F238E27FC236}">
+                <a16:creationId xmlns:a16="http://schemas.microsoft.com/office/drawing/2014/main" id="{711585C5-998C-4CD2-8C82-6CC73CDD2CC4}"/>
+              </a:ext>
+            </a:extLst>
+          </p:cNvPr>
+          <p:cNvPicPr>
+            <a:picLocks noChangeAspect="1"/>
+          </p:cNvPicPr>
+          <p:nvPr/>
+        </p:nvPicPr>
+        <p:blipFill>
+          <a:blip r:embed="rId3"/>
+          <a:stretch>
+            <a:fillRect/>
+          </a:stretch>
+        </p:blipFill>
+        <p:spPr>
+          <a:xfrm>
+            <a:off x="6485908" y="1061609"/>
+            <a:ext cx="3958500" cy="5063702"/>
+          </a:xfrm>
+          <a:prstGeom prst="rect">
+            <a:avLst/>
+          </a:prstGeom>
+        </p:spPr>
+      </p:pic>
+    </p:spTree>
+    <p:extLst>
+      <p:ext uri="{BB962C8B-B14F-4D97-AF65-F5344CB8AC3E}">
+        <p14:creationId xmlns:p14="http://schemas.microsoft.com/office/powerpoint/2010/main" val="3677381005"/>
       </p:ext>
     </p:extLst>
   </p:cSld>
@@ -7444,6 +7596,66 @@
 </file>
 
 <file path=ppt/slides/slide4.xml><?xml version="1.0" encoding="utf-8"?>
+<p:sld xmlns:a="http://schemas.openxmlformats.org/drawingml/2006/main" xmlns:r="http://schemas.openxmlformats.org/officeDocument/2006/relationships" xmlns:p="http://schemas.openxmlformats.org/presentationml/2006/main">
+  <p:cSld>
+    <p:spTree>
+      <p:nvGrpSpPr>
+        <p:cNvPr id="1" name=""/>
+        <p:cNvGrpSpPr/>
+        <p:nvPr/>
+      </p:nvGrpSpPr>
+      <p:grpSpPr>
+        <a:xfrm>
+          <a:off x="0" y="0"/>
+          <a:ext cx="0" cy="0"/>
+          <a:chOff x="0" y="0"/>
+          <a:chExt cx="0" cy="0"/>
+        </a:xfrm>
+      </p:grpSpPr>
+      <p:pic>
+        <p:nvPicPr>
+          <p:cNvPr id="4" name="Picture 3">
+            <a:extLst>
+              <a:ext uri="{FF2B5EF4-FFF2-40B4-BE49-F238E27FC236}">
+                <a16:creationId xmlns:a16="http://schemas.microsoft.com/office/drawing/2014/main" id="{360EADF1-49A1-4D5E-BDE8-3804FEDA698B}"/>
+              </a:ext>
+            </a:extLst>
+          </p:cNvPr>
+          <p:cNvPicPr>
+            <a:picLocks noChangeAspect="1"/>
+          </p:cNvPicPr>
+          <p:nvPr/>
+        </p:nvPicPr>
+        <p:blipFill>
+          <a:blip r:embed="rId2"/>
+          <a:stretch>
+            <a:fillRect/>
+          </a:stretch>
+        </p:blipFill>
+        <p:spPr>
+          <a:xfrm>
+            <a:off x="1084121" y="1177461"/>
+            <a:ext cx="10023757" cy="4503078"/>
+          </a:xfrm>
+          <a:prstGeom prst="rect">
+            <a:avLst/>
+          </a:prstGeom>
+        </p:spPr>
+      </p:pic>
+    </p:spTree>
+    <p:extLst>
+      <p:ext uri="{BB962C8B-B14F-4D97-AF65-F5344CB8AC3E}">
+        <p14:creationId xmlns:p14="http://schemas.microsoft.com/office/powerpoint/2010/main" val="2882488363"/>
+      </p:ext>
+    </p:extLst>
+  </p:cSld>
+  <p:clrMapOvr>
+    <a:masterClrMapping/>
+  </p:clrMapOvr>
+</p:sld>
+</file>
+
+<file path=ppt/slides/slide5.xml><?xml version="1.0" encoding="utf-8"?>
 <p:sld xmlns:a="http://schemas.openxmlformats.org/drawingml/2006/main" xmlns:r="http://schemas.openxmlformats.org/officeDocument/2006/relationships" xmlns:p="http://schemas.openxmlformats.org/presentationml/2006/main">
   <p:cSld>
     <p:bg>
@@ -8179,66 +8391,6 @@
   </p:cSld>
   <p:clrMapOvr>
     <a:overrideClrMapping bg1="dk1" tx1="lt1" bg2="dk2" tx2="lt2" accent1="accent1" accent2="accent2" accent3="accent3" accent4="accent4" accent5="accent5" accent6="accent6" hlink="hlink" folHlink="folHlink"/>
-  </p:clrMapOvr>
-</p:sld>
-</file>
-
-<file path=ppt/slides/slide5.xml><?xml version="1.0" encoding="utf-8"?>
-<p:sld xmlns:a="http://schemas.openxmlformats.org/drawingml/2006/main" xmlns:r="http://schemas.openxmlformats.org/officeDocument/2006/relationships" xmlns:p="http://schemas.openxmlformats.org/presentationml/2006/main">
-  <p:cSld>
-    <p:spTree>
-      <p:nvGrpSpPr>
-        <p:cNvPr id="1" name=""/>
-        <p:cNvGrpSpPr/>
-        <p:nvPr/>
-      </p:nvGrpSpPr>
-      <p:grpSpPr>
-        <a:xfrm>
-          <a:off x="0" y="0"/>
-          <a:ext cx="0" cy="0"/>
-          <a:chOff x="0" y="0"/>
-          <a:chExt cx="0" cy="0"/>
-        </a:xfrm>
-      </p:grpSpPr>
-      <p:pic>
-        <p:nvPicPr>
-          <p:cNvPr id="4" name="Picture 3">
-            <a:extLst>
-              <a:ext uri="{FF2B5EF4-FFF2-40B4-BE49-F238E27FC236}">
-                <a16:creationId xmlns:a16="http://schemas.microsoft.com/office/drawing/2014/main" id="{360EADF1-49A1-4D5E-BDE8-3804FEDA698B}"/>
-              </a:ext>
-            </a:extLst>
-          </p:cNvPr>
-          <p:cNvPicPr>
-            <a:picLocks noChangeAspect="1"/>
-          </p:cNvPicPr>
-          <p:nvPr/>
-        </p:nvPicPr>
-        <p:blipFill>
-          <a:blip r:embed="rId2"/>
-          <a:stretch>
-            <a:fillRect/>
-          </a:stretch>
-        </p:blipFill>
-        <p:spPr>
-          <a:xfrm>
-            <a:off x="1084121" y="1177461"/>
-            <a:ext cx="10023757" cy="4503078"/>
-          </a:xfrm>
-          <a:prstGeom prst="rect">
-            <a:avLst/>
-          </a:prstGeom>
-        </p:spPr>
-      </p:pic>
-    </p:spTree>
-    <p:extLst>
-      <p:ext uri="{BB962C8B-B14F-4D97-AF65-F5344CB8AC3E}">
-        <p14:creationId xmlns:p14="http://schemas.microsoft.com/office/powerpoint/2010/main" val="2882488363"/>
-      </p:ext>
-    </p:extLst>
-  </p:cSld>
-  <p:clrMapOvr>
-    <a:masterClrMapping/>
   </p:clrMapOvr>
 </p:sld>
 </file>
